--- a/docs/assets/Les-Dernieres-Tendances-en-Intelligence-Artificielle.pptx
+++ b/docs/assets/Les-Dernieres-Tendances-en-Intelligence-Artificielle.pptx
@@ -349,7 +349,7 @@
             <a:pPr indent="0" algn="r">
               <a:buNone/>
             </a:pPr>
-            <a:fld id="{3F4947D9-6380-40EA-B446-FBF09B95EC1F}" type="slidenum">
+            <a:fld id="{998D3597-0776-4F14-A289-9BBE2ED84515}" type="slidenum">
               <a:rPr b="0" lang="fr-FR" sz="1400" spc="-1" strike="noStrike">
                 <a:solidFill>
                   <a:srgbClr val="000000"/>
@@ -403,7 +403,7 @@
         <p:spPr>
           <a:xfrm>
             <a:off x="685800" y="1143000"/>
-            <a:ext cx="5485680" cy="3085560"/>
+            <a:ext cx="5485320" cy="3085200"/>
           </a:xfrm>
           <a:prstGeom prst="rect">
             <a:avLst/>
@@ -426,7 +426,7 @@
         <p:spPr>
           <a:xfrm>
             <a:off x="685800" y="4400640"/>
-            <a:ext cx="5485680" cy="3599640"/>
+            <a:ext cx="5485320" cy="3599280"/>
           </a:xfrm>
           <a:prstGeom prst="rect">
             <a:avLst/>
@@ -466,7 +466,7 @@
         <p:spPr>
           <a:xfrm>
             <a:off x="3884760" y="8685360"/>
-            <a:ext cx="2971080" cy="457920"/>
+            <a:ext cx="2970720" cy="457560"/>
           </a:xfrm>
           <a:prstGeom prst="rect">
             <a:avLst/>
@@ -507,7 +507,7 @@
                 <a:tab algn="l" pos="0"/>
               </a:tabLst>
             </a:pPr>
-            <a:fld id="{137530F2-FB9A-4BBF-9CC0-00992C965FAE}" type="slidenum">
+            <a:fld id="{3CB413D5-1818-423F-A90B-266A3CA969A3}" type="slidenum">
               <a:rPr b="0" lang="en-US" sz="1200" spc="-1" strike="noStrike">
                 <a:solidFill>
                   <a:srgbClr val="000000"/>
@@ -560,7 +560,7 @@
         <p:spPr>
           <a:xfrm>
             <a:off x="685800" y="1143000"/>
-            <a:ext cx="5485680" cy="3085560"/>
+            <a:ext cx="5485320" cy="3085200"/>
           </a:xfrm>
           <a:prstGeom prst="rect">
             <a:avLst/>
@@ -583,7 +583,7 @@
         <p:spPr>
           <a:xfrm>
             <a:off x="685800" y="4400640"/>
-            <a:ext cx="5485680" cy="3599640"/>
+            <a:ext cx="5485320" cy="3599280"/>
           </a:xfrm>
           <a:prstGeom prst="rect">
             <a:avLst/>
@@ -623,7 +623,7 @@
         <p:spPr>
           <a:xfrm>
             <a:off x="3884760" y="8685360"/>
-            <a:ext cx="2971080" cy="457920"/>
+            <a:ext cx="2970720" cy="457560"/>
           </a:xfrm>
           <a:prstGeom prst="rect">
             <a:avLst/>
@@ -664,7 +664,7 @@
                 <a:tab algn="l" pos="0"/>
               </a:tabLst>
             </a:pPr>
-            <a:fld id="{A9C83C42-2F16-4286-A8EC-38F73ED834D7}" type="slidenum">
+            <a:fld id="{7BA8E807-EB95-4887-A984-F6F08F061CD8}" type="slidenum">
               <a:rPr b="0" lang="en-US" sz="1200" spc="-1" strike="noStrike">
                 <a:solidFill>
                   <a:srgbClr val="000000"/>
@@ -717,7 +717,7 @@
         <p:spPr>
           <a:xfrm>
             <a:off x="685800" y="1143000"/>
-            <a:ext cx="5485680" cy="3085560"/>
+            <a:ext cx="5485320" cy="3085200"/>
           </a:xfrm>
           <a:prstGeom prst="rect">
             <a:avLst/>
@@ -740,7 +740,7 @@
         <p:spPr>
           <a:xfrm>
             <a:off x="685800" y="4400640"/>
-            <a:ext cx="5485680" cy="3599640"/>
+            <a:ext cx="5485320" cy="3599280"/>
           </a:xfrm>
           <a:prstGeom prst="rect">
             <a:avLst/>
@@ -780,7 +780,7 @@
         <p:spPr>
           <a:xfrm>
             <a:off x="3884760" y="8685360"/>
-            <a:ext cx="2971080" cy="457920"/>
+            <a:ext cx="2970720" cy="457560"/>
           </a:xfrm>
           <a:prstGeom prst="rect">
             <a:avLst/>
@@ -821,7 +821,7 @@
                 <a:tab algn="l" pos="0"/>
               </a:tabLst>
             </a:pPr>
-            <a:fld id="{7E4B9644-FBEB-4904-9EB6-8252D931EDF9}" type="slidenum">
+            <a:fld id="{FB55FCDF-5BB4-4585-87E3-38198A80B06A}" type="slidenum">
               <a:rPr b="0" lang="en-US" sz="1200" spc="-1" strike="noStrike">
                 <a:solidFill>
                   <a:srgbClr val="000000"/>
@@ -874,7 +874,7 @@
         <p:spPr>
           <a:xfrm>
             <a:off x="685800" y="1143000"/>
-            <a:ext cx="5485680" cy="3085560"/>
+            <a:ext cx="5485320" cy="3085200"/>
           </a:xfrm>
           <a:prstGeom prst="rect">
             <a:avLst/>
@@ -897,7 +897,7 @@
         <p:spPr>
           <a:xfrm>
             <a:off x="685800" y="4400640"/>
-            <a:ext cx="5485680" cy="3599640"/>
+            <a:ext cx="5485320" cy="3599280"/>
           </a:xfrm>
           <a:prstGeom prst="rect">
             <a:avLst/>
@@ -937,7 +937,7 @@
         <p:spPr>
           <a:xfrm>
             <a:off x="3884760" y="8685360"/>
-            <a:ext cx="2971080" cy="457920"/>
+            <a:ext cx="2970720" cy="457560"/>
           </a:xfrm>
           <a:prstGeom prst="rect">
             <a:avLst/>
@@ -978,7 +978,7 @@
                 <a:tab algn="l" pos="0"/>
               </a:tabLst>
             </a:pPr>
-            <a:fld id="{80FFDCF7-DE30-41F1-8F8C-C96C0F80FAB8}" type="slidenum">
+            <a:fld id="{D5D3F0BF-4560-43E1-BEFC-B0742880F6EA}" type="slidenum">
               <a:rPr b="0" lang="en-US" sz="1200" spc="-1" strike="noStrike">
                 <a:solidFill>
                   <a:srgbClr val="000000"/>
@@ -1031,7 +1031,7 @@
         <p:spPr>
           <a:xfrm>
             <a:off x="685800" y="1143000"/>
-            <a:ext cx="5485680" cy="3085560"/>
+            <a:ext cx="5485320" cy="3085200"/>
           </a:xfrm>
           <a:prstGeom prst="rect">
             <a:avLst/>
@@ -1054,7 +1054,7 @@
         <p:spPr>
           <a:xfrm>
             <a:off x="685800" y="4400640"/>
-            <a:ext cx="5485680" cy="3599640"/>
+            <a:ext cx="5485320" cy="3599280"/>
           </a:xfrm>
           <a:prstGeom prst="rect">
             <a:avLst/>
@@ -1094,7 +1094,7 @@
         <p:spPr>
           <a:xfrm>
             <a:off x="3884760" y="8685360"/>
-            <a:ext cx="2971080" cy="457920"/>
+            <a:ext cx="2970720" cy="457560"/>
           </a:xfrm>
           <a:prstGeom prst="rect">
             <a:avLst/>
@@ -1135,7 +1135,7 @@
                 <a:tab algn="l" pos="0"/>
               </a:tabLst>
             </a:pPr>
-            <a:fld id="{6498C3E9-4BFA-43C7-BAC0-CCFD6F3D56D8}" type="slidenum">
+            <a:fld id="{E448D695-4206-40C7-88E8-E24AC8E5F96C}" type="slidenum">
               <a:rPr b="0" lang="en-US" sz="1200" spc="-1" strike="noStrike">
                 <a:solidFill>
                   <a:srgbClr val="000000"/>
@@ -1188,7 +1188,7 @@
         <p:spPr>
           <a:xfrm>
             <a:off x="685800" y="1143000"/>
-            <a:ext cx="5485680" cy="3085560"/>
+            <a:ext cx="5485320" cy="3085200"/>
           </a:xfrm>
           <a:prstGeom prst="rect">
             <a:avLst/>
@@ -1211,7 +1211,7 @@
         <p:spPr>
           <a:xfrm>
             <a:off x="685800" y="4400640"/>
-            <a:ext cx="5485680" cy="3599640"/>
+            <a:ext cx="5485320" cy="3599280"/>
           </a:xfrm>
           <a:prstGeom prst="rect">
             <a:avLst/>
@@ -1251,7 +1251,7 @@
         <p:spPr>
           <a:xfrm>
             <a:off x="3884760" y="8685360"/>
-            <a:ext cx="2971080" cy="457920"/>
+            <a:ext cx="2970720" cy="457560"/>
           </a:xfrm>
           <a:prstGeom prst="rect">
             <a:avLst/>
@@ -1292,7 +1292,7 @@
                 <a:tab algn="l" pos="0"/>
               </a:tabLst>
             </a:pPr>
-            <a:fld id="{14DD5B66-7934-4729-900E-8905DBE0382A}" type="slidenum">
+            <a:fld id="{36ACE7D5-4B0F-45F0-8689-E3412689A793}" type="slidenum">
               <a:rPr b="0" lang="en-US" sz="1200" spc="-1" strike="noStrike">
                 <a:solidFill>
                   <a:srgbClr val="000000"/>
@@ -11985,7 +11985,7 @@
         <p:spPr>
           <a:xfrm>
             <a:off x="0" y="0"/>
-            <a:ext cx="14629680" cy="8228880"/>
+            <a:ext cx="14629320" cy="8228520"/>
           </a:xfrm>
           <a:prstGeom prst="rect">
             <a:avLst/>
@@ -12031,7 +12031,7 @@
         <p:spPr>
           <a:xfrm>
             <a:off x="0" y="0"/>
-            <a:ext cx="14629680" cy="8228880"/>
+            <a:ext cx="14629320" cy="8228520"/>
           </a:xfrm>
           <a:prstGeom prst="rect">
             <a:avLst/>
@@ -12083,7 +12083,7 @@
         <p:spPr>
           <a:xfrm>
             <a:off x="12839040" y="7749720"/>
-            <a:ext cx="1721880" cy="410760"/>
+            <a:ext cx="1721520" cy="410400"/>
           </a:xfrm>
           <a:prstGeom prst="rect">
             <a:avLst/>
@@ -12413,7 +12413,7 @@
         <p:spPr>
           <a:xfrm>
             <a:off x="0" y="0"/>
-            <a:ext cx="14629680" cy="8228880"/>
+            <a:ext cx="14629320" cy="8228520"/>
           </a:xfrm>
           <a:prstGeom prst="rect">
             <a:avLst/>
@@ -12459,7 +12459,7 @@
         <p:spPr>
           <a:xfrm>
             <a:off x="0" y="0"/>
-            <a:ext cx="14629680" cy="8228880"/>
+            <a:ext cx="14629320" cy="8228520"/>
           </a:xfrm>
           <a:prstGeom prst="rect">
             <a:avLst/>
@@ -12511,7 +12511,7 @@
         <p:spPr>
           <a:xfrm>
             <a:off x="12839040" y="7749720"/>
-            <a:ext cx="1721880" cy="410760"/>
+            <a:ext cx="1721520" cy="410400"/>
           </a:xfrm>
           <a:prstGeom prst="rect">
             <a:avLst/>
@@ -12841,7 +12841,7 @@
         <p:spPr>
           <a:xfrm>
             <a:off x="0" y="0"/>
-            <a:ext cx="14629680" cy="8228880"/>
+            <a:ext cx="14629320" cy="8228520"/>
           </a:xfrm>
           <a:prstGeom prst="rect">
             <a:avLst/>
@@ -12887,7 +12887,7 @@
         <p:spPr>
           <a:xfrm>
             <a:off x="0" y="0"/>
-            <a:ext cx="14629680" cy="8228880"/>
+            <a:ext cx="14629320" cy="8228520"/>
           </a:xfrm>
           <a:prstGeom prst="rect">
             <a:avLst/>
@@ -12939,7 +12939,7 @@
         <p:spPr>
           <a:xfrm>
             <a:off x="12839040" y="7749720"/>
-            <a:ext cx="1721880" cy="410760"/>
+            <a:ext cx="1721520" cy="410400"/>
           </a:xfrm>
           <a:prstGeom prst="rect">
             <a:avLst/>
@@ -13269,7 +13269,7 @@
         <p:spPr>
           <a:xfrm>
             <a:off x="0" y="0"/>
-            <a:ext cx="14629680" cy="8228880"/>
+            <a:ext cx="14629320" cy="8228520"/>
           </a:xfrm>
           <a:prstGeom prst="rect">
             <a:avLst/>
@@ -13315,7 +13315,7 @@
         <p:spPr>
           <a:xfrm>
             <a:off x="0" y="0"/>
-            <a:ext cx="14629680" cy="8228880"/>
+            <a:ext cx="14629320" cy="8228520"/>
           </a:xfrm>
           <a:prstGeom prst="rect">
             <a:avLst/>
@@ -13367,7 +13367,7 @@
         <p:spPr>
           <a:xfrm>
             <a:off x="12839040" y="7749720"/>
-            <a:ext cx="1721880" cy="410760"/>
+            <a:ext cx="1721520" cy="410400"/>
           </a:xfrm>
           <a:prstGeom prst="rect">
             <a:avLst/>
@@ -13697,7 +13697,7 @@
         <p:spPr>
           <a:xfrm>
             <a:off x="0" y="0"/>
-            <a:ext cx="14629680" cy="8228880"/>
+            <a:ext cx="14629320" cy="8228520"/>
           </a:xfrm>
           <a:prstGeom prst="rect">
             <a:avLst/>
@@ -13743,7 +13743,7 @@
         <p:spPr>
           <a:xfrm>
             <a:off x="0" y="0"/>
-            <a:ext cx="14629680" cy="8228880"/>
+            <a:ext cx="14629320" cy="8228520"/>
           </a:xfrm>
           <a:prstGeom prst="rect">
             <a:avLst/>
@@ -13795,7 +13795,7 @@
         <p:spPr>
           <a:xfrm>
             <a:off x="12839040" y="7749720"/>
-            <a:ext cx="1721880" cy="410760"/>
+            <a:ext cx="1721520" cy="410400"/>
           </a:xfrm>
           <a:prstGeom prst="rect">
             <a:avLst/>
@@ -14125,7 +14125,7 @@
         <p:spPr>
           <a:xfrm>
             <a:off x="0" y="0"/>
-            <a:ext cx="14629680" cy="8228880"/>
+            <a:ext cx="14629320" cy="8228520"/>
           </a:xfrm>
           <a:prstGeom prst="rect">
             <a:avLst/>
@@ -14171,7 +14171,7 @@
         <p:spPr>
           <a:xfrm>
             <a:off x="0" y="0"/>
-            <a:ext cx="14629680" cy="8228880"/>
+            <a:ext cx="14629320" cy="8228520"/>
           </a:xfrm>
           <a:prstGeom prst="rect">
             <a:avLst/>
@@ -14223,7 +14223,7 @@
         <p:spPr>
           <a:xfrm>
             <a:off x="12839040" y="7749720"/>
-            <a:ext cx="1721880" cy="410760"/>
+            <a:ext cx="1721520" cy="410400"/>
           </a:xfrm>
           <a:prstGeom prst="rect">
             <a:avLst/>
@@ -14557,7 +14557,7 @@
         <p:spPr>
           <a:xfrm>
             <a:off x="9144000" y="0"/>
-            <a:ext cx="5485680" cy="8228880"/>
+            <a:ext cx="5485320" cy="8228520"/>
           </a:xfrm>
           <a:prstGeom prst="rect">
             <a:avLst/>
@@ -14576,7 +14576,7 @@
         <p:spPr>
           <a:xfrm>
             <a:off x="837720" y="2465280"/>
-            <a:ext cx="7467840" cy="1407240"/>
+            <a:ext cx="7467480" cy="1406880"/>
           </a:xfrm>
           <a:prstGeom prst="rect">
             <a:avLst/>
@@ -14633,7 +14633,7 @@
         <p:spPr>
           <a:xfrm>
             <a:off x="837720" y="4232160"/>
-            <a:ext cx="7467840" cy="1531440"/>
+            <a:ext cx="7467480" cy="1531080"/>
           </a:xfrm>
           <a:prstGeom prst="rect">
             <a:avLst/>
@@ -14720,7 +14720,7 @@
         <p:spPr>
           <a:xfrm>
             <a:off x="837720" y="2294280"/>
-            <a:ext cx="11552040" cy="703440"/>
+            <a:ext cx="11551680" cy="703080"/>
           </a:xfrm>
           <a:prstGeom prst="rect">
             <a:avLst/>
@@ -14777,7 +14777,7 @@
         <p:spPr>
           <a:xfrm>
             <a:off x="837720" y="3596400"/>
-            <a:ext cx="2800080" cy="351360"/>
+            <a:ext cx="2799720" cy="351000"/>
           </a:xfrm>
           <a:prstGeom prst="rect">
             <a:avLst/>
@@ -14834,7 +14834,7 @@
         <p:spPr>
           <a:xfrm>
             <a:off x="837720" y="4187880"/>
-            <a:ext cx="2800080" cy="1531440"/>
+            <a:ext cx="2799720" cy="1531080"/>
           </a:xfrm>
           <a:prstGeom prst="rect">
             <a:avLst/>
@@ -14891,7 +14891,7 @@
         <p:spPr>
           <a:xfrm>
             <a:off x="4230000" y="3596400"/>
-            <a:ext cx="2800080" cy="351360"/>
+            <a:ext cx="2799720" cy="351000"/>
           </a:xfrm>
           <a:prstGeom prst="rect">
             <a:avLst/>
@@ -14948,7 +14948,7 @@
         <p:spPr>
           <a:xfrm>
             <a:off x="4230000" y="4187880"/>
-            <a:ext cx="2800080" cy="1531440"/>
+            <a:ext cx="2799720" cy="1531080"/>
           </a:xfrm>
           <a:prstGeom prst="rect">
             <a:avLst/>
@@ -15005,7 +15005,7 @@
         <p:spPr>
           <a:xfrm>
             <a:off x="7622280" y="3596400"/>
-            <a:ext cx="2800080" cy="351360"/>
+            <a:ext cx="2799720" cy="351000"/>
           </a:xfrm>
           <a:prstGeom prst="rect">
             <a:avLst/>
@@ -15062,7 +15062,7 @@
         <p:spPr>
           <a:xfrm>
             <a:off x="7622280" y="4187880"/>
-            <a:ext cx="2800080" cy="1531440"/>
+            <a:ext cx="2799720" cy="1531080"/>
           </a:xfrm>
           <a:prstGeom prst="rect">
             <a:avLst/>
@@ -15119,7 +15119,7 @@
         <p:spPr>
           <a:xfrm>
             <a:off x="11014560" y="3596400"/>
-            <a:ext cx="2800080" cy="351360"/>
+            <a:ext cx="2799720" cy="351000"/>
           </a:xfrm>
           <a:prstGeom prst="rect">
             <a:avLst/>
@@ -15176,7 +15176,7 @@
         <p:spPr>
           <a:xfrm>
             <a:off x="11014560" y="4187880"/>
-            <a:ext cx="2800080" cy="1531440"/>
+            <a:ext cx="2799720" cy="1531080"/>
           </a:xfrm>
           <a:prstGeom prst="rect">
             <a:avLst/>
@@ -15237,7 +15237,7 @@
         <p:spPr>
           <a:xfrm>
             <a:off x="11112840" y="7182720"/>
-            <a:ext cx="3466800" cy="1046880"/>
+            <a:ext cx="3466440" cy="1046520"/>
           </a:xfrm>
           <a:prstGeom prst="rect">
             <a:avLst/>
@@ -15277,39 +15277,16 @@
           <a:chExt cx="0" cy="0"/>
         </a:xfrm>
       </p:grpSpPr>
-      <p:pic>
-        <p:nvPicPr>
-          <p:cNvPr id="265" name="Image 0" descr="preencoded.png"/>
-          <p:cNvPicPr/>
-          <p:nvPr/>
-        </p:nvPicPr>
-        <p:blipFill>
-          <a:blip r:embed="rId1"/>
-          <a:stretch/>
-        </p:blipFill>
-        <p:spPr>
-          <a:xfrm>
-            <a:off x="0" y="0"/>
-            <a:ext cx="5485680" cy="8228880"/>
-          </a:xfrm>
-          <a:prstGeom prst="rect">
-            <a:avLst/>
-          </a:prstGeom>
-          <a:ln w="0">
-            <a:noFill/>
-          </a:ln>
-        </p:spPr>
-      </p:pic>
-      <p:sp>
-        <p:nvSpPr>
-          <p:cNvPr id="266" name="Text 0"/>
+      <p:sp>
+        <p:nvSpPr>
+          <p:cNvPr id="265" name="Text 17"/>
           <p:cNvSpPr/>
           <p:nvPr/>
         </p:nvSpPr>
         <p:spPr>
           <a:xfrm>
-            <a:off x="6324120" y="1063080"/>
-            <a:ext cx="7467840" cy="1407240"/>
+            <a:off x="868320" y="900000"/>
+            <a:ext cx="11551680" cy="703080"/>
           </a:xfrm>
           <a:prstGeom prst="rect">
             <a:avLst/>
@@ -15326,7 +15303,7 @@
           <a:fontRef idx="minor"/>
         </p:style>
         <p:txBody>
-          <a:bodyPr lIns="0" rIns="0" tIns="0" bIns="0" anchor="t">
+          <a:bodyPr wrap="none" lIns="0" rIns="0" tIns="0" bIns="0" anchor="t">
             <a:noAutofit/>
           </a:bodyPr>
           <a:p>
@@ -15346,7 +15323,7 @@
                 <a:latin typeface="Quattrocento"/>
                 <a:ea typeface="Quattrocento"/>
               </a:rPr>
-              <a:t>Déclaration pour une IA Inclusive et Durable</a:t>
+              <a:t>Progrès Récents dans l'Apprentissage Profond</a:t>
             </a:r>
             <a:endParaRPr b="0" lang="fr-FR" sz="4400" spc="-1" strike="noStrike">
               <a:solidFill>
@@ -15357,723 +15334,32 @@
           </a:p>
         </p:txBody>
       </p:sp>
-      <p:sp>
-        <p:nvSpPr>
-          <p:cNvPr id="267" name="Shape 1"/>
-          <p:cNvSpPr/>
-          <p:nvPr/>
-        </p:nvSpPr>
-        <p:spPr>
-          <a:xfrm>
-            <a:off x="6324120" y="3099600"/>
-            <a:ext cx="537840" cy="537840"/>
-          </a:xfrm>
-          <a:prstGeom prst="roundRect">
-            <a:avLst>
-              <a:gd name="adj" fmla="val 6668"/>
-            </a:avLst>
-          </a:prstGeom>
-          <a:solidFill>
-            <a:srgbClr val="315251"/>
-          </a:solidFill>
-          <a:ln w="0">
-            <a:noFill/>
-          </a:ln>
-        </p:spPr>
-        <p:style>
-          <a:lnRef idx="0"/>
-          <a:fillRef idx="0"/>
-          <a:effectRef idx="0"/>
-          <a:fontRef idx="minor"/>
-        </p:style>
-        <p:txBody>
-          <a:bodyPr lIns="90000" rIns="90000" tIns="45000" bIns="45000" anchor="t">
-            <a:noAutofit/>
-          </a:bodyPr>
-          <a:p>
-            <a:pPr>
-              <a:lnSpc>
-                <a:spcPct val="100000"/>
-              </a:lnSpc>
-            </a:pPr>
-            <a:endParaRPr b="0" lang="fr-FR" sz="1800" spc="-1" strike="noStrike">
-              <a:solidFill>
-                <a:srgbClr val="000000"/>
-              </a:solidFill>
-              <a:latin typeface="Arial"/>
-            </a:endParaRPr>
-          </a:p>
-        </p:txBody>
-      </p:sp>
-      <p:sp>
-        <p:nvSpPr>
-          <p:cNvPr id="268" name="Text 2"/>
-          <p:cNvSpPr/>
-          <p:nvPr/>
-        </p:nvSpPr>
-        <p:spPr>
-          <a:xfrm>
-            <a:off x="6424200" y="3157560"/>
-            <a:ext cx="337320" cy="421560"/>
-          </a:xfrm>
-          <a:prstGeom prst="rect">
-            <a:avLst/>
-          </a:prstGeom>
-          <a:noFill/>
-          <a:ln w="0">
-            <a:noFill/>
-          </a:ln>
-        </p:spPr>
-        <p:style>
-          <a:lnRef idx="0"/>
-          <a:fillRef idx="0"/>
-          <a:effectRef idx="0"/>
-          <a:fontRef idx="minor"/>
-        </p:style>
-        <p:txBody>
-          <a:bodyPr wrap="none" lIns="0" rIns="0" tIns="0" bIns="0" anchor="t">
-            <a:noAutofit/>
-          </a:bodyPr>
-          <a:p>
-            <a:pPr algn="ctr">
-              <a:lnSpc>
-                <a:spcPts val="2650"/>
-              </a:lnSpc>
-              <a:tabLst>
-                <a:tab algn="l" pos="0"/>
-              </a:tabLst>
-            </a:pPr>
-            <a:r>
-              <a:rPr b="0" lang="en-US" sz="2650" spc="-1" strike="noStrike">
-                <a:solidFill>
-                  <a:srgbClr val="f9eee7"/>
-                </a:solidFill>
-                <a:latin typeface="Quattrocento"/>
-                <a:ea typeface="Quattrocento"/>
-              </a:rPr>
-              <a:t>1</a:t>
-            </a:r>
-            <a:endParaRPr b="0" lang="fr-FR" sz="2650" spc="-1" strike="noStrike">
-              <a:solidFill>
-                <a:srgbClr val="000000"/>
-              </a:solidFill>
-              <a:latin typeface="Arial"/>
-            </a:endParaRPr>
-          </a:p>
-        </p:txBody>
-      </p:sp>
-      <p:sp>
-        <p:nvSpPr>
-          <p:cNvPr id="269" name="Text 3"/>
-          <p:cNvSpPr/>
-          <p:nvPr/>
-        </p:nvSpPr>
-        <p:spPr>
-          <a:xfrm>
-            <a:off x="7102080" y="3099600"/>
-            <a:ext cx="2815560" cy="351360"/>
-          </a:xfrm>
-          <a:prstGeom prst="rect">
-            <a:avLst/>
-          </a:prstGeom>
-          <a:noFill/>
-          <a:ln w="0">
-            <a:noFill/>
-          </a:ln>
-        </p:spPr>
-        <p:style>
-          <a:lnRef idx="0"/>
-          <a:fillRef idx="0"/>
-          <a:effectRef idx="0"/>
-          <a:fontRef idx="minor"/>
-        </p:style>
-        <p:txBody>
-          <a:bodyPr wrap="none" lIns="0" rIns="0" tIns="0" bIns="0" anchor="t">
-            <a:noAutofit/>
-          </a:bodyPr>
-          <a:p>
-            <a:pPr>
-              <a:lnSpc>
-                <a:spcPts val="2750"/>
-              </a:lnSpc>
-              <a:tabLst>
-                <a:tab algn="l" pos="0"/>
-              </a:tabLst>
-            </a:pPr>
-            <a:r>
-              <a:rPr b="0" lang="en-US" sz="2200" spc="-1" strike="noStrike">
-                <a:solidFill>
-                  <a:srgbClr val="f9eee7"/>
-                </a:solidFill>
-                <a:latin typeface="Quattrocento"/>
-                <a:ea typeface="Quattrocento"/>
-              </a:rPr>
-              <a:t>Principes Clés</a:t>
-            </a:r>
-            <a:endParaRPr b="0" lang="fr-FR" sz="2200" spc="-1" strike="noStrike">
-              <a:solidFill>
-                <a:srgbClr val="000000"/>
-              </a:solidFill>
-              <a:latin typeface="Arial"/>
-            </a:endParaRPr>
-          </a:p>
-        </p:txBody>
-      </p:sp>
-      <p:sp>
-        <p:nvSpPr>
-          <p:cNvPr id="270" name="Text 4"/>
-          <p:cNvSpPr/>
-          <p:nvPr/>
-        </p:nvSpPr>
-        <p:spPr>
-          <a:xfrm>
-            <a:off x="7102080" y="3594960"/>
-            <a:ext cx="2836080" cy="765360"/>
-          </a:xfrm>
-          <a:prstGeom prst="rect">
-            <a:avLst/>
-          </a:prstGeom>
-          <a:noFill/>
-          <a:ln w="0">
-            <a:noFill/>
-          </a:ln>
-        </p:spPr>
-        <p:style>
-          <a:lnRef idx="0"/>
-          <a:fillRef idx="0"/>
-          <a:effectRef idx="0"/>
-          <a:fontRef idx="minor"/>
-        </p:style>
-        <p:txBody>
-          <a:bodyPr lIns="0" rIns="0" tIns="0" bIns="0" anchor="t">
-            <a:noAutofit/>
-          </a:bodyPr>
-          <a:p>
-            <a:pPr>
-              <a:lnSpc>
-                <a:spcPts val="2999"/>
-              </a:lnSpc>
-              <a:tabLst>
-                <a:tab algn="l" pos="0"/>
-              </a:tabLst>
-            </a:pPr>
-            <a:r>
-              <a:rPr b="0" lang="en-US" sz="1850" spc="-1" strike="noStrike">
-                <a:solidFill>
-                  <a:srgbClr val="f9eee7"/>
-                </a:solidFill>
-                <a:latin typeface="Quattrocento"/>
-                <a:ea typeface="Quattrocento"/>
-              </a:rPr>
-              <a:t>Accessibilité et réduction de la fracture numérique.</a:t>
-            </a:r>
-            <a:endParaRPr b="0" lang="fr-FR" sz="1850" spc="-1" strike="noStrike">
-              <a:solidFill>
-                <a:srgbClr val="000000"/>
-              </a:solidFill>
-              <a:latin typeface="Arial"/>
-            </a:endParaRPr>
-          </a:p>
-        </p:txBody>
-      </p:sp>
-      <p:sp>
-        <p:nvSpPr>
-          <p:cNvPr id="271" name="Shape 5"/>
-          <p:cNvSpPr/>
-          <p:nvPr/>
-        </p:nvSpPr>
-        <p:spPr>
-          <a:xfrm>
-            <a:off x="10177920" y="3099600"/>
-            <a:ext cx="537840" cy="537840"/>
-          </a:xfrm>
-          <a:prstGeom prst="roundRect">
-            <a:avLst>
-              <a:gd name="adj" fmla="val 6668"/>
-            </a:avLst>
-          </a:prstGeom>
-          <a:solidFill>
-            <a:srgbClr val="315251"/>
-          </a:solidFill>
-          <a:ln w="0">
-            <a:noFill/>
-          </a:ln>
-        </p:spPr>
-        <p:style>
-          <a:lnRef idx="0"/>
-          <a:fillRef idx="0"/>
-          <a:effectRef idx="0"/>
-          <a:fontRef idx="minor"/>
-        </p:style>
-        <p:txBody>
-          <a:bodyPr lIns="90000" rIns="90000" tIns="45000" bIns="45000" anchor="t">
-            <a:noAutofit/>
-          </a:bodyPr>
-          <a:p>
-            <a:pPr>
-              <a:lnSpc>
-                <a:spcPct val="100000"/>
-              </a:lnSpc>
-            </a:pPr>
-            <a:endParaRPr b="0" lang="fr-FR" sz="1800" spc="-1" strike="noStrike">
-              <a:solidFill>
-                <a:srgbClr val="000000"/>
-              </a:solidFill>
-              <a:latin typeface="Arial"/>
-            </a:endParaRPr>
-          </a:p>
-        </p:txBody>
-      </p:sp>
-      <p:sp>
-        <p:nvSpPr>
-          <p:cNvPr id="272" name="Text 6"/>
-          <p:cNvSpPr/>
-          <p:nvPr/>
-        </p:nvSpPr>
-        <p:spPr>
-          <a:xfrm>
-            <a:off x="10278360" y="3157560"/>
-            <a:ext cx="337320" cy="421560"/>
-          </a:xfrm>
-          <a:prstGeom prst="rect">
-            <a:avLst/>
-          </a:prstGeom>
-          <a:noFill/>
-          <a:ln w="0">
-            <a:noFill/>
-          </a:ln>
-        </p:spPr>
-        <p:style>
-          <a:lnRef idx="0"/>
-          <a:fillRef idx="0"/>
-          <a:effectRef idx="0"/>
-          <a:fontRef idx="minor"/>
-        </p:style>
-        <p:txBody>
-          <a:bodyPr wrap="none" lIns="0" rIns="0" tIns="0" bIns="0" anchor="t">
-            <a:noAutofit/>
-          </a:bodyPr>
-          <a:p>
-            <a:pPr algn="ctr">
-              <a:lnSpc>
-                <a:spcPts val="2650"/>
-              </a:lnSpc>
-              <a:tabLst>
-                <a:tab algn="l" pos="0"/>
-              </a:tabLst>
-            </a:pPr>
-            <a:r>
-              <a:rPr b="0" lang="en-US" sz="2650" spc="-1" strike="noStrike">
-                <a:solidFill>
-                  <a:srgbClr val="f9eee7"/>
-                </a:solidFill>
-                <a:latin typeface="Quattrocento"/>
-                <a:ea typeface="Quattrocento"/>
-              </a:rPr>
-              <a:t>2</a:t>
-            </a:r>
-            <a:endParaRPr b="0" lang="fr-FR" sz="2650" spc="-1" strike="noStrike">
-              <a:solidFill>
-                <a:srgbClr val="000000"/>
-              </a:solidFill>
-              <a:latin typeface="Arial"/>
-            </a:endParaRPr>
-          </a:p>
-        </p:txBody>
-      </p:sp>
-      <p:sp>
-        <p:nvSpPr>
-          <p:cNvPr id="273" name="Text 7"/>
-          <p:cNvSpPr/>
-          <p:nvPr/>
-        </p:nvSpPr>
-        <p:spPr>
-          <a:xfrm>
-            <a:off x="10955880" y="3099600"/>
-            <a:ext cx="2815560" cy="351360"/>
-          </a:xfrm>
-          <a:prstGeom prst="rect">
-            <a:avLst/>
-          </a:prstGeom>
-          <a:noFill/>
-          <a:ln w="0">
-            <a:noFill/>
-          </a:ln>
-        </p:spPr>
-        <p:style>
-          <a:lnRef idx="0"/>
-          <a:fillRef idx="0"/>
-          <a:effectRef idx="0"/>
-          <a:fontRef idx="minor"/>
-        </p:style>
-        <p:txBody>
-          <a:bodyPr wrap="none" lIns="0" rIns="0" tIns="0" bIns="0" anchor="t">
-            <a:noAutofit/>
-          </a:bodyPr>
-          <a:p>
-            <a:pPr>
-              <a:lnSpc>
-                <a:spcPts val="2750"/>
-              </a:lnSpc>
-              <a:tabLst>
-                <a:tab algn="l" pos="0"/>
-              </a:tabLst>
-            </a:pPr>
-            <a:r>
-              <a:rPr b="0" lang="en-US" sz="2200" spc="-1" strike="noStrike">
-                <a:solidFill>
-                  <a:srgbClr val="f9eee7"/>
-                </a:solidFill>
-                <a:latin typeface="Quattrocento"/>
-                <a:ea typeface="Quattrocento"/>
-              </a:rPr>
-              <a:t>Objectifs</a:t>
-            </a:r>
-            <a:endParaRPr b="0" lang="fr-FR" sz="2200" spc="-1" strike="noStrike">
-              <a:solidFill>
-                <a:srgbClr val="000000"/>
-              </a:solidFill>
-              <a:latin typeface="Arial"/>
-            </a:endParaRPr>
-          </a:p>
-        </p:txBody>
-      </p:sp>
-      <p:sp>
-        <p:nvSpPr>
-          <p:cNvPr id="274" name="Text 8"/>
-          <p:cNvSpPr/>
-          <p:nvPr/>
-        </p:nvSpPr>
-        <p:spPr>
-          <a:xfrm>
-            <a:off x="10955880" y="3594960"/>
-            <a:ext cx="2836080" cy="765360"/>
-          </a:xfrm>
-          <a:prstGeom prst="rect">
-            <a:avLst/>
-          </a:prstGeom>
-          <a:noFill/>
-          <a:ln w="0">
-            <a:noFill/>
-          </a:ln>
-        </p:spPr>
-        <p:style>
-          <a:lnRef idx="0"/>
-          <a:fillRef idx="0"/>
-          <a:effectRef idx="0"/>
-          <a:fontRef idx="minor"/>
-        </p:style>
-        <p:txBody>
-          <a:bodyPr lIns="0" rIns="0" tIns="0" bIns="0" anchor="t">
-            <a:noAutofit/>
-          </a:bodyPr>
-          <a:p>
-            <a:pPr>
-              <a:lnSpc>
-                <a:spcPts val="2999"/>
-              </a:lnSpc>
-              <a:tabLst>
-                <a:tab algn="l" pos="0"/>
-              </a:tabLst>
-            </a:pPr>
-            <a:r>
-              <a:rPr b="0" lang="en-US" sz="1850" spc="-1" strike="noStrike">
-                <a:solidFill>
-                  <a:srgbClr val="f9eee7"/>
-                </a:solidFill>
-                <a:latin typeface="Quattrocento"/>
-                <a:ea typeface="Quattrocento"/>
-              </a:rPr>
-              <a:t>Développement d'une IA ouverte et fiable.</a:t>
-            </a:r>
-            <a:endParaRPr b="0" lang="fr-FR" sz="1850" spc="-1" strike="noStrike">
-              <a:solidFill>
-                <a:srgbClr val="000000"/>
-              </a:solidFill>
-              <a:latin typeface="Arial"/>
-            </a:endParaRPr>
-          </a:p>
-        </p:txBody>
-      </p:sp>
-      <p:sp>
-        <p:nvSpPr>
-          <p:cNvPr id="275" name="Shape 9"/>
-          <p:cNvSpPr/>
-          <p:nvPr/>
-        </p:nvSpPr>
-        <p:spPr>
-          <a:xfrm>
-            <a:off x="6324120" y="4869360"/>
-            <a:ext cx="537840" cy="537840"/>
-          </a:xfrm>
-          <a:prstGeom prst="roundRect">
-            <a:avLst>
-              <a:gd name="adj" fmla="val 6668"/>
-            </a:avLst>
-          </a:prstGeom>
-          <a:solidFill>
-            <a:srgbClr val="315251"/>
-          </a:solidFill>
-          <a:ln w="0">
-            <a:noFill/>
-          </a:ln>
-        </p:spPr>
-        <p:style>
-          <a:lnRef idx="0"/>
-          <a:fillRef idx="0"/>
-          <a:effectRef idx="0"/>
-          <a:fontRef idx="minor"/>
-        </p:style>
-        <p:txBody>
-          <a:bodyPr lIns="90000" rIns="90000" tIns="45000" bIns="45000" anchor="t">
-            <a:noAutofit/>
-          </a:bodyPr>
-          <a:p>
-            <a:pPr>
-              <a:lnSpc>
-                <a:spcPct val="100000"/>
-              </a:lnSpc>
-            </a:pPr>
-            <a:endParaRPr b="0" lang="fr-FR" sz="1800" spc="-1" strike="noStrike">
-              <a:solidFill>
-                <a:srgbClr val="000000"/>
-              </a:solidFill>
-              <a:latin typeface="Arial"/>
-            </a:endParaRPr>
-          </a:p>
-        </p:txBody>
-      </p:sp>
-      <p:sp>
-        <p:nvSpPr>
-          <p:cNvPr id="276" name="Text 10"/>
-          <p:cNvSpPr/>
-          <p:nvPr/>
-        </p:nvSpPr>
-        <p:spPr>
-          <a:xfrm>
-            <a:off x="6424200" y="4927680"/>
-            <a:ext cx="337320" cy="421560"/>
-          </a:xfrm>
-          <a:prstGeom prst="rect">
-            <a:avLst/>
-          </a:prstGeom>
-          <a:noFill/>
-          <a:ln w="0">
-            <a:noFill/>
-          </a:ln>
-        </p:spPr>
-        <p:style>
-          <a:lnRef idx="0"/>
-          <a:fillRef idx="0"/>
-          <a:effectRef idx="0"/>
-          <a:fontRef idx="minor"/>
-        </p:style>
-        <p:txBody>
-          <a:bodyPr wrap="none" lIns="0" rIns="0" tIns="0" bIns="0" anchor="t">
-            <a:noAutofit/>
-          </a:bodyPr>
-          <a:p>
-            <a:pPr algn="ctr">
-              <a:lnSpc>
-                <a:spcPts val="2650"/>
-              </a:lnSpc>
-              <a:tabLst>
-                <a:tab algn="l" pos="0"/>
-              </a:tabLst>
-            </a:pPr>
-            <a:r>
-              <a:rPr b="0" lang="en-US" sz="2650" spc="-1" strike="noStrike">
-                <a:solidFill>
-                  <a:srgbClr val="f9eee7"/>
-                </a:solidFill>
-                <a:latin typeface="Quattrocento"/>
-                <a:ea typeface="Quattrocento"/>
-              </a:rPr>
-              <a:t>3</a:t>
-            </a:r>
-            <a:endParaRPr b="0" lang="fr-FR" sz="2650" spc="-1" strike="noStrike">
-              <a:solidFill>
-                <a:srgbClr val="000000"/>
-              </a:solidFill>
-              <a:latin typeface="Arial"/>
-            </a:endParaRPr>
-          </a:p>
-        </p:txBody>
-      </p:sp>
-      <p:sp>
-        <p:nvSpPr>
-          <p:cNvPr id="277" name="Text 11"/>
-          <p:cNvSpPr/>
-          <p:nvPr/>
-        </p:nvSpPr>
-        <p:spPr>
-          <a:xfrm>
-            <a:off x="7102080" y="4869360"/>
-            <a:ext cx="2815560" cy="351360"/>
-          </a:xfrm>
-          <a:prstGeom prst="rect">
-            <a:avLst/>
-          </a:prstGeom>
-          <a:noFill/>
-          <a:ln w="0">
-            <a:noFill/>
-          </a:ln>
-        </p:spPr>
-        <p:style>
-          <a:lnRef idx="0"/>
-          <a:fillRef idx="0"/>
-          <a:effectRef idx="0"/>
-          <a:fontRef idx="minor"/>
-        </p:style>
-        <p:txBody>
-          <a:bodyPr wrap="none" lIns="0" rIns="0" tIns="0" bIns="0" anchor="t">
-            <a:noAutofit/>
-          </a:bodyPr>
-          <a:p>
-            <a:pPr>
-              <a:lnSpc>
-                <a:spcPts val="2750"/>
-              </a:lnSpc>
-              <a:tabLst>
-                <a:tab algn="l" pos="0"/>
-              </a:tabLst>
-            </a:pPr>
-            <a:r>
-              <a:rPr b="0" lang="en-US" sz="2200" spc="-1" strike="noStrike">
-                <a:solidFill>
-                  <a:srgbClr val="f9eee7"/>
-                </a:solidFill>
-                <a:latin typeface="Quattrocento"/>
-                <a:ea typeface="Quattrocento"/>
-              </a:rPr>
-              <a:t>Coopération</a:t>
-            </a:r>
-            <a:endParaRPr b="0" lang="fr-FR" sz="2200" spc="-1" strike="noStrike">
-              <a:solidFill>
-                <a:srgbClr val="000000"/>
-              </a:solidFill>
-              <a:latin typeface="Arial"/>
-            </a:endParaRPr>
-          </a:p>
-        </p:txBody>
-      </p:sp>
-      <p:sp>
-        <p:nvSpPr>
-          <p:cNvPr id="278" name="Text 12"/>
-          <p:cNvSpPr/>
-          <p:nvPr/>
-        </p:nvSpPr>
-        <p:spPr>
-          <a:xfrm>
-            <a:off x="7102080" y="5365080"/>
-            <a:ext cx="6689880" cy="382320"/>
-          </a:xfrm>
-          <a:prstGeom prst="rect">
-            <a:avLst/>
-          </a:prstGeom>
-          <a:noFill/>
-          <a:ln w="0">
-            <a:noFill/>
-          </a:ln>
-        </p:spPr>
-        <p:style>
-          <a:lnRef idx="0"/>
-          <a:fillRef idx="0"/>
-          <a:effectRef idx="0"/>
-          <a:fontRef idx="minor"/>
-        </p:style>
-        <p:txBody>
-          <a:bodyPr wrap="none" lIns="0" rIns="0" tIns="0" bIns="0" anchor="t">
-            <a:noAutofit/>
-          </a:bodyPr>
-          <a:p>
-            <a:pPr>
-              <a:lnSpc>
-                <a:spcPts val="2999"/>
-              </a:lnSpc>
-              <a:tabLst>
-                <a:tab algn="l" pos="0"/>
-              </a:tabLst>
-            </a:pPr>
-            <a:r>
-              <a:rPr b="0" lang="en-US" sz="1850" spc="-1" strike="noStrike">
-                <a:solidFill>
-                  <a:srgbClr val="f9eee7"/>
-                </a:solidFill>
-                <a:latin typeface="Quattrocento"/>
-                <a:ea typeface="Quattrocento"/>
-              </a:rPr>
-              <a:t>Promotion de la coopération internationale.</a:t>
-            </a:r>
-            <a:endParaRPr b="0" lang="fr-FR" sz="1850" spc="-1" strike="noStrike">
-              <a:solidFill>
-                <a:srgbClr val="000000"/>
-              </a:solidFill>
-              <a:latin typeface="Arial"/>
-            </a:endParaRPr>
-          </a:p>
-        </p:txBody>
-      </p:sp>
-      <p:sp>
-        <p:nvSpPr>
-          <p:cNvPr id="279" name="Text 13"/>
-          <p:cNvSpPr/>
-          <p:nvPr/>
-        </p:nvSpPr>
-        <p:spPr>
-          <a:xfrm>
-            <a:off x="6324120" y="6017400"/>
-            <a:ext cx="7467840" cy="1148400"/>
-          </a:xfrm>
-          <a:prstGeom prst="rect">
-            <a:avLst/>
-          </a:prstGeom>
-          <a:noFill/>
-          <a:ln w="0">
-            <a:noFill/>
-          </a:ln>
-        </p:spPr>
-        <p:style>
-          <a:lnRef idx="0"/>
-          <a:fillRef idx="0"/>
-          <a:effectRef idx="0"/>
-          <a:fontRef idx="minor"/>
-        </p:style>
-        <p:txBody>
-          <a:bodyPr lIns="0" rIns="0" tIns="0" bIns="0" anchor="t">
-            <a:noAutofit/>
-          </a:bodyPr>
-          <a:p>
-            <a:pPr>
-              <a:lnSpc>
-                <a:spcPts val="2999"/>
-              </a:lnSpc>
-              <a:tabLst>
-                <a:tab algn="l" pos="0"/>
-              </a:tabLst>
-            </a:pPr>
-            <a:r>
-              <a:rPr b="0" lang="en-US" sz="1850" spc="-1" strike="noStrike">
-                <a:solidFill>
-                  <a:srgbClr val="f9eee7"/>
-                </a:solidFill>
-                <a:latin typeface="Quattrocento"/>
-                <a:ea typeface="Quattrocento"/>
-              </a:rPr>
-              <a:t>La "Déclaration sur une intelligence artificielle inclusive et durable" met en avant l'importance d'une IA responsable et équitable. Une vision globale pour un avenir où l'IA profite à tous.</a:t>
-            </a:r>
-            <a:endParaRPr b="0" lang="fr-FR" sz="1850" spc="-1" strike="noStrike">
-              <a:solidFill>
-                <a:srgbClr val="000000"/>
-              </a:solidFill>
-              <a:latin typeface="Arial"/>
-            </a:endParaRPr>
-          </a:p>
-        </p:txBody>
-      </p:sp>
       <p:pic>
         <p:nvPicPr>
-          <p:cNvPr id="280" name="" descr=""/>
+          <p:cNvPr id="266" name="" descr=""/>
+          <p:cNvPicPr/>
+          <p:nvPr/>
+        </p:nvPicPr>
+        <p:blipFill>
+          <a:blip r:embed="rId1"/>
+          <a:stretch/>
+        </p:blipFill>
+        <p:spPr>
+          <a:xfrm>
+            <a:off x="898560" y="1980000"/>
+            <a:ext cx="12751560" cy="4500000"/>
+          </a:xfrm>
+          <a:prstGeom prst="rect">
+            <a:avLst/>
+          </a:prstGeom>
+          <a:ln w="0">
+            <a:noFill/>
+          </a:ln>
+        </p:spPr>
+      </p:pic>
+      <p:pic>
+        <p:nvPicPr>
+          <p:cNvPr id="267" name="" descr=""/>
           <p:cNvPicPr/>
           <p:nvPr/>
         </p:nvPicPr>
@@ -16083,8 +15369,8 @@
         </p:blipFill>
         <p:spPr>
           <a:xfrm>
-            <a:off x="11112840" y="7165800"/>
-            <a:ext cx="3466800" cy="1046880"/>
+            <a:off x="11113200" y="7183080"/>
+            <a:ext cx="3466440" cy="1046520"/>
           </a:xfrm>
           <a:prstGeom prst="rect">
             <a:avLst/>
@@ -16126,7 +15412,7 @@
       </p:grpSpPr>
       <p:pic>
         <p:nvPicPr>
-          <p:cNvPr id="281" name="Image 0" descr="preencoded.png"/>
+          <p:cNvPr id="268" name="Image 0" descr="preencoded.png"/>
           <p:cNvPicPr/>
           <p:nvPr/>
         </p:nvPicPr>
@@ -16136,8 +15422,8 @@
         </p:blipFill>
         <p:spPr>
           <a:xfrm>
-            <a:off x="9144000" y="0"/>
-            <a:ext cx="5485680" cy="8228880"/>
+            <a:off x="0" y="0"/>
+            <a:ext cx="5485320" cy="8228520"/>
           </a:xfrm>
           <a:prstGeom prst="rect">
             <a:avLst/>
@@ -16149,14 +15435,14 @@
       </p:pic>
       <p:sp>
         <p:nvSpPr>
-          <p:cNvPr id="282" name="Text 0"/>
+          <p:cNvPr id="269" name="Text 0"/>
           <p:cNvSpPr/>
           <p:nvPr/>
         </p:nvSpPr>
         <p:spPr>
           <a:xfrm>
-            <a:off x="837720" y="2848320"/>
-            <a:ext cx="7467840" cy="1407240"/>
+            <a:off x="6324120" y="1063080"/>
+            <a:ext cx="7467480" cy="1406880"/>
           </a:xfrm>
           <a:prstGeom prst="rect">
             <a:avLst/>
@@ -16193,7 +15479,7 @@
                 <a:latin typeface="Quattrocento"/>
                 <a:ea typeface="Quattrocento"/>
               </a:rPr>
-              <a:t>Conclusion : Un Avenir à Construire</a:t>
+              <a:t>Déclaration pour une IA Inclusive et Durable</a:t>
             </a:r>
             <a:endParaRPr b="0" lang="fr-FR" sz="4400" spc="-1" strike="noStrike">
               <a:solidFill>
@@ -16206,14 +15492,176 @@
       </p:sp>
       <p:sp>
         <p:nvSpPr>
-          <p:cNvPr id="283" name="Text 1"/>
+          <p:cNvPr id="270" name="Shape 1"/>
           <p:cNvSpPr/>
           <p:nvPr/>
         </p:nvSpPr>
         <p:spPr>
           <a:xfrm>
-            <a:off x="837720" y="4615200"/>
-            <a:ext cx="7467840" cy="765360"/>
+            <a:off x="6324120" y="3099600"/>
+            <a:ext cx="537480" cy="537480"/>
+          </a:xfrm>
+          <a:prstGeom prst="roundRect">
+            <a:avLst>
+              <a:gd name="adj" fmla="val 6668"/>
+            </a:avLst>
+          </a:prstGeom>
+          <a:solidFill>
+            <a:srgbClr val="315251"/>
+          </a:solidFill>
+          <a:ln w="0">
+            <a:noFill/>
+          </a:ln>
+        </p:spPr>
+        <p:style>
+          <a:lnRef idx="0"/>
+          <a:fillRef idx="0"/>
+          <a:effectRef idx="0"/>
+          <a:fontRef idx="minor"/>
+        </p:style>
+        <p:txBody>
+          <a:bodyPr lIns="90000" rIns="90000" tIns="45000" bIns="45000" anchor="t">
+            <a:noAutofit/>
+          </a:bodyPr>
+          <a:p>
+            <a:pPr>
+              <a:lnSpc>
+                <a:spcPct val="100000"/>
+              </a:lnSpc>
+            </a:pPr>
+            <a:endParaRPr b="0" lang="fr-FR" sz="1800" spc="-1" strike="noStrike">
+              <a:solidFill>
+                <a:srgbClr val="000000"/>
+              </a:solidFill>
+              <a:latin typeface="Arial"/>
+            </a:endParaRPr>
+          </a:p>
+        </p:txBody>
+      </p:sp>
+      <p:sp>
+        <p:nvSpPr>
+          <p:cNvPr id="271" name="Text 2"/>
+          <p:cNvSpPr/>
+          <p:nvPr/>
+        </p:nvSpPr>
+        <p:spPr>
+          <a:xfrm>
+            <a:off x="6424200" y="3157560"/>
+            <a:ext cx="336960" cy="421200"/>
+          </a:xfrm>
+          <a:prstGeom prst="rect">
+            <a:avLst/>
+          </a:prstGeom>
+          <a:noFill/>
+          <a:ln w="0">
+            <a:noFill/>
+          </a:ln>
+        </p:spPr>
+        <p:style>
+          <a:lnRef idx="0"/>
+          <a:fillRef idx="0"/>
+          <a:effectRef idx="0"/>
+          <a:fontRef idx="minor"/>
+        </p:style>
+        <p:txBody>
+          <a:bodyPr wrap="none" lIns="0" rIns="0" tIns="0" bIns="0" anchor="t">
+            <a:noAutofit/>
+          </a:bodyPr>
+          <a:p>
+            <a:pPr algn="ctr">
+              <a:lnSpc>
+                <a:spcPts val="2650"/>
+              </a:lnSpc>
+              <a:tabLst>
+                <a:tab algn="l" pos="0"/>
+              </a:tabLst>
+            </a:pPr>
+            <a:r>
+              <a:rPr b="0" lang="en-US" sz="2650" spc="-1" strike="noStrike">
+                <a:solidFill>
+                  <a:srgbClr val="f9eee7"/>
+                </a:solidFill>
+                <a:latin typeface="Quattrocento"/>
+                <a:ea typeface="Quattrocento"/>
+              </a:rPr>
+              <a:t>1</a:t>
+            </a:r>
+            <a:endParaRPr b="0" lang="fr-FR" sz="2650" spc="-1" strike="noStrike">
+              <a:solidFill>
+                <a:srgbClr val="000000"/>
+              </a:solidFill>
+              <a:latin typeface="Arial"/>
+            </a:endParaRPr>
+          </a:p>
+        </p:txBody>
+      </p:sp>
+      <p:sp>
+        <p:nvSpPr>
+          <p:cNvPr id="272" name="Text 3"/>
+          <p:cNvSpPr/>
+          <p:nvPr/>
+        </p:nvSpPr>
+        <p:spPr>
+          <a:xfrm>
+            <a:off x="7102080" y="3099600"/>
+            <a:ext cx="2815200" cy="351000"/>
+          </a:xfrm>
+          <a:prstGeom prst="rect">
+            <a:avLst/>
+          </a:prstGeom>
+          <a:noFill/>
+          <a:ln w="0">
+            <a:noFill/>
+          </a:ln>
+        </p:spPr>
+        <p:style>
+          <a:lnRef idx="0"/>
+          <a:fillRef idx="0"/>
+          <a:effectRef idx="0"/>
+          <a:fontRef idx="minor"/>
+        </p:style>
+        <p:txBody>
+          <a:bodyPr wrap="none" lIns="0" rIns="0" tIns="0" bIns="0" anchor="t">
+            <a:noAutofit/>
+          </a:bodyPr>
+          <a:p>
+            <a:pPr>
+              <a:lnSpc>
+                <a:spcPts val="2750"/>
+              </a:lnSpc>
+              <a:tabLst>
+                <a:tab algn="l" pos="0"/>
+              </a:tabLst>
+            </a:pPr>
+            <a:r>
+              <a:rPr b="0" lang="en-US" sz="2200" spc="-1" strike="noStrike">
+                <a:solidFill>
+                  <a:srgbClr val="f9eee7"/>
+                </a:solidFill>
+                <a:latin typeface="Quattrocento"/>
+                <a:ea typeface="Quattrocento"/>
+              </a:rPr>
+              <a:t>Principes Clés</a:t>
+            </a:r>
+            <a:endParaRPr b="0" lang="fr-FR" sz="2200" spc="-1" strike="noStrike">
+              <a:solidFill>
+                <a:srgbClr val="000000"/>
+              </a:solidFill>
+              <a:latin typeface="Arial"/>
+            </a:endParaRPr>
+          </a:p>
+        </p:txBody>
+      </p:sp>
+      <p:sp>
+        <p:nvSpPr>
+          <p:cNvPr id="273" name="Text 4"/>
+          <p:cNvSpPr/>
+          <p:nvPr/>
+        </p:nvSpPr>
+        <p:spPr>
+          <a:xfrm>
+            <a:off x="7102080" y="3594960"/>
+            <a:ext cx="2835720" cy="765000"/>
           </a:xfrm>
           <a:prstGeom prst="rect">
             <a:avLst/>
@@ -16250,7 +15698,7 @@
                 <a:latin typeface="Quattrocento"/>
                 <a:ea typeface="Quattrocento"/>
               </a:rPr>
-              <a:t>L'IA offre d'immenses opportunités pour l'innovation et le progrès. Il est essentiel de développer l'IA de manière responsable et éthique.</a:t>
+              <a:t>Accessibilité et réduction de la fracture numérique.</a:t>
             </a:r>
             <a:endParaRPr b="0" lang="fr-FR" sz="1850" spc="-1" strike="noStrike">
               <a:solidFill>
@@ -16261,6 +15709,524 @@
           </a:p>
         </p:txBody>
       </p:sp>
+      <p:sp>
+        <p:nvSpPr>
+          <p:cNvPr id="274" name="Shape 5"/>
+          <p:cNvSpPr/>
+          <p:nvPr/>
+        </p:nvSpPr>
+        <p:spPr>
+          <a:xfrm>
+            <a:off x="10177920" y="3099600"/>
+            <a:ext cx="537480" cy="537480"/>
+          </a:xfrm>
+          <a:prstGeom prst="roundRect">
+            <a:avLst>
+              <a:gd name="adj" fmla="val 6668"/>
+            </a:avLst>
+          </a:prstGeom>
+          <a:solidFill>
+            <a:srgbClr val="315251"/>
+          </a:solidFill>
+          <a:ln w="0">
+            <a:noFill/>
+          </a:ln>
+        </p:spPr>
+        <p:style>
+          <a:lnRef idx="0"/>
+          <a:fillRef idx="0"/>
+          <a:effectRef idx="0"/>
+          <a:fontRef idx="minor"/>
+        </p:style>
+        <p:txBody>
+          <a:bodyPr lIns="90000" rIns="90000" tIns="45000" bIns="45000" anchor="t">
+            <a:noAutofit/>
+          </a:bodyPr>
+          <a:p>
+            <a:pPr>
+              <a:lnSpc>
+                <a:spcPct val="100000"/>
+              </a:lnSpc>
+            </a:pPr>
+            <a:endParaRPr b="0" lang="fr-FR" sz="1800" spc="-1" strike="noStrike">
+              <a:solidFill>
+                <a:srgbClr val="000000"/>
+              </a:solidFill>
+              <a:latin typeface="Arial"/>
+            </a:endParaRPr>
+          </a:p>
+        </p:txBody>
+      </p:sp>
+      <p:sp>
+        <p:nvSpPr>
+          <p:cNvPr id="275" name="Text 6"/>
+          <p:cNvSpPr/>
+          <p:nvPr/>
+        </p:nvSpPr>
+        <p:spPr>
+          <a:xfrm>
+            <a:off x="10278360" y="3157560"/>
+            <a:ext cx="336960" cy="421200"/>
+          </a:xfrm>
+          <a:prstGeom prst="rect">
+            <a:avLst/>
+          </a:prstGeom>
+          <a:noFill/>
+          <a:ln w="0">
+            <a:noFill/>
+          </a:ln>
+        </p:spPr>
+        <p:style>
+          <a:lnRef idx="0"/>
+          <a:fillRef idx="0"/>
+          <a:effectRef idx="0"/>
+          <a:fontRef idx="minor"/>
+        </p:style>
+        <p:txBody>
+          <a:bodyPr wrap="none" lIns="0" rIns="0" tIns="0" bIns="0" anchor="t">
+            <a:noAutofit/>
+          </a:bodyPr>
+          <a:p>
+            <a:pPr algn="ctr">
+              <a:lnSpc>
+                <a:spcPts val="2650"/>
+              </a:lnSpc>
+              <a:tabLst>
+                <a:tab algn="l" pos="0"/>
+              </a:tabLst>
+            </a:pPr>
+            <a:r>
+              <a:rPr b="0" lang="en-US" sz="2650" spc="-1" strike="noStrike">
+                <a:solidFill>
+                  <a:srgbClr val="f9eee7"/>
+                </a:solidFill>
+                <a:latin typeface="Quattrocento"/>
+                <a:ea typeface="Quattrocento"/>
+              </a:rPr>
+              <a:t>2</a:t>
+            </a:r>
+            <a:endParaRPr b="0" lang="fr-FR" sz="2650" spc="-1" strike="noStrike">
+              <a:solidFill>
+                <a:srgbClr val="000000"/>
+              </a:solidFill>
+              <a:latin typeface="Arial"/>
+            </a:endParaRPr>
+          </a:p>
+        </p:txBody>
+      </p:sp>
+      <p:sp>
+        <p:nvSpPr>
+          <p:cNvPr id="276" name="Text 7"/>
+          <p:cNvSpPr/>
+          <p:nvPr/>
+        </p:nvSpPr>
+        <p:spPr>
+          <a:xfrm>
+            <a:off x="10955880" y="3099600"/>
+            <a:ext cx="2815200" cy="351000"/>
+          </a:xfrm>
+          <a:prstGeom prst="rect">
+            <a:avLst/>
+          </a:prstGeom>
+          <a:noFill/>
+          <a:ln w="0">
+            <a:noFill/>
+          </a:ln>
+        </p:spPr>
+        <p:style>
+          <a:lnRef idx="0"/>
+          <a:fillRef idx="0"/>
+          <a:effectRef idx="0"/>
+          <a:fontRef idx="minor"/>
+        </p:style>
+        <p:txBody>
+          <a:bodyPr wrap="none" lIns="0" rIns="0" tIns="0" bIns="0" anchor="t">
+            <a:noAutofit/>
+          </a:bodyPr>
+          <a:p>
+            <a:pPr>
+              <a:lnSpc>
+                <a:spcPts val="2750"/>
+              </a:lnSpc>
+              <a:tabLst>
+                <a:tab algn="l" pos="0"/>
+              </a:tabLst>
+            </a:pPr>
+            <a:r>
+              <a:rPr b="0" lang="en-US" sz="2200" spc="-1" strike="noStrike">
+                <a:solidFill>
+                  <a:srgbClr val="f9eee7"/>
+                </a:solidFill>
+                <a:latin typeface="Quattrocento"/>
+                <a:ea typeface="Quattrocento"/>
+              </a:rPr>
+              <a:t>Objectifs</a:t>
+            </a:r>
+            <a:endParaRPr b="0" lang="fr-FR" sz="2200" spc="-1" strike="noStrike">
+              <a:solidFill>
+                <a:srgbClr val="000000"/>
+              </a:solidFill>
+              <a:latin typeface="Arial"/>
+            </a:endParaRPr>
+          </a:p>
+        </p:txBody>
+      </p:sp>
+      <p:sp>
+        <p:nvSpPr>
+          <p:cNvPr id="277" name="Text 8"/>
+          <p:cNvSpPr/>
+          <p:nvPr/>
+        </p:nvSpPr>
+        <p:spPr>
+          <a:xfrm>
+            <a:off x="10955880" y="3594960"/>
+            <a:ext cx="2835720" cy="765000"/>
+          </a:xfrm>
+          <a:prstGeom prst="rect">
+            <a:avLst/>
+          </a:prstGeom>
+          <a:noFill/>
+          <a:ln w="0">
+            <a:noFill/>
+          </a:ln>
+        </p:spPr>
+        <p:style>
+          <a:lnRef idx="0"/>
+          <a:fillRef idx="0"/>
+          <a:effectRef idx="0"/>
+          <a:fontRef idx="minor"/>
+        </p:style>
+        <p:txBody>
+          <a:bodyPr lIns="0" rIns="0" tIns="0" bIns="0" anchor="t">
+            <a:noAutofit/>
+          </a:bodyPr>
+          <a:p>
+            <a:pPr>
+              <a:lnSpc>
+                <a:spcPts val="2999"/>
+              </a:lnSpc>
+              <a:tabLst>
+                <a:tab algn="l" pos="0"/>
+              </a:tabLst>
+            </a:pPr>
+            <a:r>
+              <a:rPr b="0" lang="en-US" sz="1850" spc="-1" strike="noStrike">
+                <a:solidFill>
+                  <a:srgbClr val="f9eee7"/>
+                </a:solidFill>
+                <a:latin typeface="Quattrocento"/>
+                <a:ea typeface="Quattrocento"/>
+              </a:rPr>
+              <a:t>Développement d'une IA ouverte et fiable.</a:t>
+            </a:r>
+            <a:endParaRPr b="0" lang="fr-FR" sz="1850" spc="-1" strike="noStrike">
+              <a:solidFill>
+                <a:srgbClr val="000000"/>
+              </a:solidFill>
+              <a:latin typeface="Arial"/>
+            </a:endParaRPr>
+          </a:p>
+        </p:txBody>
+      </p:sp>
+      <p:sp>
+        <p:nvSpPr>
+          <p:cNvPr id="278" name="Shape 9"/>
+          <p:cNvSpPr/>
+          <p:nvPr/>
+        </p:nvSpPr>
+        <p:spPr>
+          <a:xfrm>
+            <a:off x="6324120" y="4869360"/>
+            <a:ext cx="537480" cy="537480"/>
+          </a:xfrm>
+          <a:prstGeom prst="roundRect">
+            <a:avLst>
+              <a:gd name="adj" fmla="val 6668"/>
+            </a:avLst>
+          </a:prstGeom>
+          <a:solidFill>
+            <a:srgbClr val="315251"/>
+          </a:solidFill>
+          <a:ln w="0">
+            <a:noFill/>
+          </a:ln>
+        </p:spPr>
+        <p:style>
+          <a:lnRef idx="0"/>
+          <a:fillRef idx="0"/>
+          <a:effectRef idx="0"/>
+          <a:fontRef idx="minor"/>
+        </p:style>
+        <p:txBody>
+          <a:bodyPr lIns="90000" rIns="90000" tIns="45000" bIns="45000" anchor="t">
+            <a:noAutofit/>
+          </a:bodyPr>
+          <a:p>
+            <a:pPr>
+              <a:lnSpc>
+                <a:spcPct val="100000"/>
+              </a:lnSpc>
+            </a:pPr>
+            <a:endParaRPr b="0" lang="fr-FR" sz="1800" spc="-1" strike="noStrike">
+              <a:solidFill>
+                <a:srgbClr val="000000"/>
+              </a:solidFill>
+              <a:latin typeface="Arial"/>
+            </a:endParaRPr>
+          </a:p>
+        </p:txBody>
+      </p:sp>
+      <p:sp>
+        <p:nvSpPr>
+          <p:cNvPr id="279" name="Text 10"/>
+          <p:cNvSpPr/>
+          <p:nvPr/>
+        </p:nvSpPr>
+        <p:spPr>
+          <a:xfrm>
+            <a:off x="6424200" y="4927680"/>
+            <a:ext cx="336960" cy="421200"/>
+          </a:xfrm>
+          <a:prstGeom prst="rect">
+            <a:avLst/>
+          </a:prstGeom>
+          <a:noFill/>
+          <a:ln w="0">
+            <a:noFill/>
+          </a:ln>
+        </p:spPr>
+        <p:style>
+          <a:lnRef idx="0"/>
+          <a:fillRef idx="0"/>
+          <a:effectRef idx="0"/>
+          <a:fontRef idx="minor"/>
+        </p:style>
+        <p:txBody>
+          <a:bodyPr wrap="none" lIns="0" rIns="0" tIns="0" bIns="0" anchor="t">
+            <a:noAutofit/>
+          </a:bodyPr>
+          <a:p>
+            <a:pPr algn="ctr">
+              <a:lnSpc>
+                <a:spcPts val="2650"/>
+              </a:lnSpc>
+              <a:tabLst>
+                <a:tab algn="l" pos="0"/>
+              </a:tabLst>
+            </a:pPr>
+            <a:r>
+              <a:rPr b="0" lang="en-US" sz="2650" spc="-1" strike="noStrike">
+                <a:solidFill>
+                  <a:srgbClr val="f9eee7"/>
+                </a:solidFill>
+                <a:latin typeface="Quattrocento"/>
+                <a:ea typeface="Quattrocento"/>
+              </a:rPr>
+              <a:t>3</a:t>
+            </a:r>
+            <a:endParaRPr b="0" lang="fr-FR" sz="2650" spc="-1" strike="noStrike">
+              <a:solidFill>
+                <a:srgbClr val="000000"/>
+              </a:solidFill>
+              <a:latin typeface="Arial"/>
+            </a:endParaRPr>
+          </a:p>
+        </p:txBody>
+      </p:sp>
+      <p:sp>
+        <p:nvSpPr>
+          <p:cNvPr id="280" name="Text 11"/>
+          <p:cNvSpPr/>
+          <p:nvPr/>
+        </p:nvSpPr>
+        <p:spPr>
+          <a:xfrm>
+            <a:off x="7102080" y="4869360"/>
+            <a:ext cx="2815200" cy="351000"/>
+          </a:xfrm>
+          <a:prstGeom prst="rect">
+            <a:avLst/>
+          </a:prstGeom>
+          <a:noFill/>
+          <a:ln w="0">
+            <a:noFill/>
+          </a:ln>
+        </p:spPr>
+        <p:style>
+          <a:lnRef idx="0"/>
+          <a:fillRef idx="0"/>
+          <a:effectRef idx="0"/>
+          <a:fontRef idx="minor"/>
+        </p:style>
+        <p:txBody>
+          <a:bodyPr wrap="none" lIns="0" rIns="0" tIns="0" bIns="0" anchor="t">
+            <a:noAutofit/>
+          </a:bodyPr>
+          <a:p>
+            <a:pPr>
+              <a:lnSpc>
+                <a:spcPts val="2750"/>
+              </a:lnSpc>
+              <a:tabLst>
+                <a:tab algn="l" pos="0"/>
+              </a:tabLst>
+            </a:pPr>
+            <a:r>
+              <a:rPr b="0" lang="en-US" sz="2200" spc="-1" strike="noStrike">
+                <a:solidFill>
+                  <a:srgbClr val="f9eee7"/>
+                </a:solidFill>
+                <a:latin typeface="Quattrocento"/>
+                <a:ea typeface="Quattrocento"/>
+              </a:rPr>
+              <a:t>Coopération</a:t>
+            </a:r>
+            <a:endParaRPr b="0" lang="fr-FR" sz="2200" spc="-1" strike="noStrike">
+              <a:solidFill>
+                <a:srgbClr val="000000"/>
+              </a:solidFill>
+              <a:latin typeface="Arial"/>
+            </a:endParaRPr>
+          </a:p>
+        </p:txBody>
+      </p:sp>
+      <p:sp>
+        <p:nvSpPr>
+          <p:cNvPr id="281" name="Text 12"/>
+          <p:cNvSpPr/>
+          <p:nvPr/>
+        </p:nvSpPr>
+        <p:spPr>
+          <a:xfrm>
+            <a:off x="7102080" y="5365080"/>
+            <a:ext cx="6689520" cy="381960"/>
+          </a:xfrm>
+          <a:prstGeom prst="rect">
+            <a:avLst/>
+          </a:prstGeom>
+          <a:noFill/>
+          <a:ln w="0">
+            <a:noFill/>
+          </a:ln>
+        </p:spPr>
+        <p:style>
+          <a:lnRef idx="0"/>
+          <a:fillRef idx="0"/>
+          <a:effectRef idx="0"/>
+          <a:fontRef idx="minor"/>
+        </p:style>
+        <p:txBody>
+          <a:bodyPr wrap="none" lIns="0" rIns="0" tIns="0" bIns="0" anchor="t">
+            <a:noAutofit/>
+          </a:bodyPr>
+          <a:p>
+            <a:pPr>
+              <a:lnSpc>
+                <a:spcPts val="2999"/>
+              </a:lnSpc>
+              <a:tabLst>
+                <a:tab algn="l" pos="0"/>
+              </a:tabLst>
+            </a:pPr>
+            <a:r>
+              <a:rPr b="0" lang="en-US" sz="1850" spc="-1" strike="noStrike">
+                <a:solidFill>
+                  <a:srgbClr val="f9eee7"/>
+                </a:solidFill>
+                <a:latin typeface="Quattrocento"/>
+                <a:ea typeface="Quattrocento"/>
+              </a:rPr>
+              <a:t>Promotion de la coopération internationale.</a:t>
+            </a:r>
+            <a:endParaRPr b="0" lang="fr-FR" sz="1850" spc="-1" strike="noStrike">
+              <a:solidFill>
+                <a:srgbClr val="000000"/>
+              </a:solidFill>
+              <a:latin typeface="Arial"/>
+            </a:endParaRPr>
+          </a:p>
+        </p:txBody>
+      </p:sp>
+      <p:sp>
+        <p:nvSpPr>
+          <p:cNvPr id="282" name="Text 13"/>
+          <p:cNvSpPr/>
+          <p:nvPr/>
+        </p:nvSpPr>
+        <p:spPr>
+          <a:xfrm>
+            <a:off x="6324120" y="6017400"/>
+            <a:ext cx="7467480" cy="1148040"/>
+          </a:xfrm>
+          <a:prstGeom prst="rect">
+            <a:avLst/>
+          </a:prstGeom>
+          <a:noFill/>
+          <a:ln w="0">
+            <a:noFill/>
+          </a:ln>
+        </p:spPr>
+        <p:style>
+          <a:lnRef idx="0"/>
+          <a:fillRef idx="0"/>
+          <a:effectRef idx="0"/>
+          <a:fontRef idx="minor"/>
+        </p:style>
+        <p:txBody>
+          <a:bodyPr lIns="0" rIns="0" tIns="0" bIns="0" anchor="t">
+            <a:noAutofit/>
+          </a:bodyPr>
+          <a:p>
+            <a:pPr>
+              <a:lnSpc>
+                <a:spcPts val="2999"/>
+              </a:lnSpc>
+              <a:tabLst>
+                <a:tab algn="l" pos="0"/>
+              </a:tabLst>
+            </a:pPr>
+            <a:r>
+              <a:rPr b="0" lang="en-US" sz="1850" spc="-1" strike="noStrike">
+                <a:solidFill>
+                  <a:srgbClr val="f9eee7"/>
+                </a:solidFill>
+                <a:latin typeface="Quattrocento"/>
+                <a:ea typeface="Quattrocento"/>
+              </a:rPr>
+              <a:t>La "Déclaration sur une intelligence artificielle inclusive et durable" met en avant l'importance d'une IA responsable et équitable. Une vision globale pour un avenir où l'IA profite à tous.</a:t>
+            </a:r>
+            <a:endParaRPr b="0" lang="fr-FR" sz="1850" spc="-1" strike="noStrike">
+              <a:solidFill>
+                <a:srgbClr val="000000"/>
+              </a:solidFill>
+              <a:latin typeface="Arial"/>
+            </a:endParaRPr>
+          </a:p>
+        </p:txBody>
+      </p:sp>
+      <p:pic>
+        <p:nvPicPr>
+          <p:cNvPr id="283" name="" descr=""/>
+          <p:cNvPicPr/>
+          <p:nvPr/>
+        </p:nvPicPr>
+        <p:blipFill>
+          <a:blip r:embed="rId2"/>
+          <a:stretch/>
+        </p:blipFill>
+        <p:spPr>
+          <a:xfrm>
+            <a:off x="11112840" y="7165800"/>
+            <a:ext cx="3466440" cy="1046520"/>
+          </a:xfrm>
+          <a:prstGeom prst="rect">
+            <a:avLst/>
+          </a:prstGeom>
+          <a:ln w="0">
+            <a:noFill/>
+          </a:ln>
+        </p:spPr>
+      </p:pic>
     </p:spTree>
   </p:cSld>
   <mc:AlternateContent>
@@ -16304,7 +16270,7 @@
         <p:spPr>
           <a:xfrm>
             <a:off x="9144000" y="0"/>
-            <a:ext cx="5485680" cy="8228880"/>
+            <a:ext cx="5485320" cy="8228520"/>
           </a:xfrm>
           <a:prstGeom prst="rect">
             <a:avLst/>
@@ -16323,7 +16289,7 @@
         <p:spPr>
           <a:xfrm>
             <a:off x="682560" y="536400"/>
-            <a:ext cx="4588920" cy="572760"/>
+            <a:ext cx="4588560" cy="572400"/>
           </a:xfrm>
           <a:prstGeom prst="rect">
             <a:avLst/>
@@ -16386,7 +16352,7 @@
         <p:spPr>
           <a:xfrm>
             <a:off x="682560" y="1402560"/>
-            <a:ext cx="6337800" cy="1949760"/>
+            <a:ext cx="6337440" cy="1949400"/>
           </a:xfrm>
           <a:prstGeom prst="rect">
             <a:avLst/>
@@ -16411,7 +16377,7 @@
         <p:spPr>
           <a:xfrm>
             <a:off x="682560" y="3572640"/>
-            <a:ext cx="6337800" cy="1949760"/>
+            <a:ext cx="6337440" cy="1949400"/>
           </a:xfrm>
           <a:prstGeom prst="rect">
             <a:avLst/>
@@ -16436,7 +16402,7 @@
         <p:spPr>
           <a:xfrm>
             <a:off x="682560" y="5742720"/>
-            <a:ext cx="6337800" cy="1949760"/>
+            <a:ext cx="6337440" cy="1949400"/>
           </a:xfrm>
           <a:prstGeom prst="rect">
             <a:avLst/>
@@ -16489,7 +16455,7 @@
         <p:spPr>
           <a:xfrm>
             <a:off x="9144000" y="0"/>
-            <a:ext cx="5485680" cy="8228880"/>
+            <a:ext cx="5485320" cy="8228520"/>
           </a:xfrm>
           <a:prstGeom prst="rect">
             <a:avLst/>
@@ -16508,7 +16474,7 @@
         <p:spPr>
           <a:xfrm>
             <a:off x="837720" y="1054800"/>
-            <a:ext cx="5631840" cy="703440"/>
+            <a:ext cx="5631480" cy="703080"/>
           </a:xfrm>
           <a:prstGeom prst="rect">
             <a:avLst/>
@@ -16571,7 +16537,7 @@
         <p:spPr>
           <a:xfrm>
             <a:off x="837720" y="2117880"/>
-            <a:ext cx="7467840" cy="2392920"/>
+            <a:ext cx="7467480" cy="2392560"/>
           </a:xfrm>
           <a:prstGeom prst="rect">
             <a:avLst/>
@@ -16596,7 +16562,7 @@
         <p:spPr>
           <a:xfrm>
             <a:off x="837720" y="4780800"/>
-            <a:ext cx="7467840" cy="2392920"/>
+            <a:ext cx="7467480" cy="2392560"/>
           </a:xfrm>
           <a:prstGeom prst="rect">
             <a:avLst/>
